--- a/강의자료/2.PythonLibrary(numpy).pptx
+++ b/강의자료/2.PythonLibrary(numpy).pptx
@@ -207,7 +207,7 @@
           <a:p>
             <a:fld id="{2C85752C-4E74-4352-9468-5EAE9FAFE528}" type="datetimeFigureOut">
               <a:rPr lang="ko-KR" altLang="en-US" smtClean="0"/>
-              <a:t>2021-03-02</a:t>
+              <a:t>2021-03-06</a:t>
             </a:fld>
             <a:endParaRPr lang="ko-KR" altLang="en-US"/>
           </a:p>
@@ -992,7 +992,7 @@
           <a:p>
             <a:fld id="{CD0C569F-2C7E-430E-B5ED-8E27EA7D3EBC}" type="datetime1">
               <a:rPr lang="ko-KR" altLang="en-US" smtClean="0"/>
-              <a:t>2021-03-02</a:t>
+              <a:t>2021-03-06</a:t>
             </a:fld>
             <a:endParaRPr lang="ko-KR" altLang="en-US"/>
           </a:p>
@@ -1160,7 +1160,7 @@
           <a:p>
             <a:fld id="{EF352123-1188-4D17-B907-36574A9F9C17}" type="datetime1">
               <a:rPr lang="ko-KR" altLang="en-US" smtClean="0"/>
-              <a:t>2021-03-02</a:t>
+              <a:t>2021-03-06</a:t>
             </a:fld>
             <a:endParaRPr lang="ko-KR" altLang="en-US"/>
           </a:p>
@@ -1338,7 +1338,7 @@
           <a:p>
             <a:fld id="{AA699CB2-9506-4C84-BCD0-A600C39AFF22}" type="datetime1">
               <a:rPr lang="ko-KR" altLang="en-US" smtClean="0"/>
-              <a:t>2021-03-02</a:t>
+              <a:t>2021-03-06</a:t>
             </a:fld>
             <a:endParaRPr lang="ko-KR" altLang="en-US"/>
           </a:p>
@@ -1506,7 +1506,7 @@
           <a:p>
             <a:fld id="{66162DE9-A56E-4641-97CF-68706A6ADD7C}" type="datetime1">
               <a:rPr lang="ko-KR" altLang="en-US" smtClean="0"/>
-              <a:t>2021-03-02</a:t>
+              <a:t>2021-03-06</a:t>
             </a:fld>
             <a:endParaRPr lang="ko-KR" altLang="en-US"/>
           </a:p>
@@ -1751,7 +1751,7 @@
           <a:p>
             <a:fld id="{63F8FD17-B75B-4123-ADB7-1C4318F7304F}" type="datetime1">
               <a:rPr lang="ko-KR" altLang="en-US" smtClean="0"/>
-              <a:t>2021-03-02</a:t>
+              <a:t>2021-03-06</a:t>
             </a:fld>
             <a:endParaRPr lang="ko-KR" altLang="en-US"/>
           </a:p>
@@ -1980,7 +1980,7 @@
           <a:p>
             <a:fld id="{91149E87-D83E-4FC2-92C0-48EDCBE9C57C}" type="datetime1">
               <a:rPr lang="ko-KR" altLang="en-US" smtClean="0"/>
-              <a:t>2021-03-02</a:t>
+              <a:t>2021-03-06</a:t>
             </a:fld>
             <a:endParaRPr lang="ko-KR" altLang="en-US"/>
           </a:p>
@@ -2344,7 +2344,7 @@
           <a:p>
             <a:fld id="{22499B02-B403-4B0A-8F3B-7FABDACDCDC1}" type="datetime1">
               <a:rPr lang="ko-KR" altLang="en-US" smtClean="0"/>
-              <a:t>2021-03-02</a:t>
+              <a:t>2021-03-06</a:t>
             </a:fld>
             <a:endParaRPr lang="ko-KR" altLang="en-US"/>
           </a:p>
@@ -2461,7 +2461,7 @@
           <a:p>
             <a:fld id="{F3E62B64-395F-4203-8BC2-7D35CC6926B4}" type="datetime1">
               <a:rPr lang="ko-KR" altLang="en-US" smtClean="0"/>
-              <a:t>2021-03-02</a:t>
+              <a:t>2021-03-06</a:t>
             </a:fld>
             <a:endParaRPr lang="ko-KR" altLang="en-US"/>
           </a:p>
@@ -2556,7 +2556,7 @@
           <a:p>
             <a:fld id="{0636AEBB-E8A9-4022-AC8E-1116C4833D61}" type="datetime1">
               <a:rPr lang="ko-KR" altLang="en-US" smtClean="0"/>
-              <a:t>2021-03-02</a:t>
+              <a:t>2021-03-06</a:t>
             </a:fld>
             <a:endParaRPr lang="ko-KR" altLang="en-US"/>
           </a:p>
@@ -2831,7 +2831,7 @@
           <a:p>
             <a:fld id="{E4C99E27-1DD2-4219-8CF6-20DDDB5F6858}" type="datetime1">
               <a:rPr lang="ko-KR" altLang="en-US" smtClean="0"/>
-              <a:t>2021-03-02</a:t>
+              <a:t>2021-03-06</a:t>
             </a:fld>
             <a:endParaRPr lang="ko-KR" altLang="en-US"/>
           </a:p>
@@ -3083,7 +3083,7 @@
           <a:p>
             <a:fld id="{0421FAA0-3DCF-419C-AB39-99644C528977}" type="datetime1">
               <a:rPr lang="ko-KR" altLang="en-US" smtClean="0"/>
-              <a:t>2021-03-02</a:t>
+              <a:t>2021-03-06</a:t>
             </a:fld>
             <a:endParaRPr lang="ko-KR" altLang="en-US"/>
           </a:p>
@@ -3300,7 +3300,7 @@
             <a:fld id="{8AA8975A-F875-4DAE-891C-142C206A733B}" type="datetime1">
               <a:rPr lang="ko-KR" altLang="en-US" smtClean="0"/>
               <a:pPr/>
-              <a:t>2021-03-02</a:t>
+              <a:t>2021-03-06</a:t>
             </a:fld>
             <a:endParaRPr lang="ko-KR" altLang="en-US"/>
           </a:p>
@@ -3790,28 +3790,64 @@
           <a:lstStyle/>
           <a:p>
             <a:pPr marL="457200" indent="-457200" algn="l">
-              <a:buAutoNum type="arabicPeriod"/>
-            </a:pPr>
-            <a:r>
-              <a:rPr lang="en-US" altLang="ko-KR" dirty="0" err="1"/>
+              <a:buFont typeface="Wingdings" panose="05000000000000000000" pitchFamily="2" charset="2"/>
+              <a:buChar char="l"/>
+            </a:pPr>
+            <a:r>
+              <a:rPr lang="ko-KR" altLang="en-US" dirty="0" err="1">
+                <a:solidFill>
+                  <a:srgbClr val="FF0000"/>
+                </a:solidFill>
+              </a:rPr>
+              <a:t>파이썬</a:t>
+            </a:r>
+            <a:r>
+              <a:rPr lang="en-US" altLang="ko-KR" dirty="0">
+                <a:solidFill>
+                  <a:srgbClr val="FF0000"/>
+                </a:solidFill>
+              </a:rPr>
+              <a:t> </a:t>
+            </a:r>
+            <a:r>
+              <a:rPr lang="ko-KR" altLang="en-US" dirty="0">
+                <a:solidFill>
+                  <a:srgbClr val="FF0000"/>
+                </a:solidFill>
+              </a:rPr>
+              <a:t>필수 라이브러리</a:t>
+            </a:r>
+            <a:endParaRPr lang="en-US" altLang="ko-KR" dirty="0">
+              <a:solidFill>
+                <a:srgbClr val="FF0000"/>
+              </a:solidFill>
+            </a:endParaRPr>
+          </a:p>
+          <a:p>
+            <a:pPr lvl="1" algn="l"/>
+            <a:r>
+              <a:rPr lang="en-US" altLang="ko-KR" dirty="0" err="1">
+                <a:solidFill>
+                  <a:srgbClr val="FF0000"/>
+                </a:solidFill>
+              </a:rPr>
               <a:t>numpy</a:t>
             </a:r>
-            <a:endParaRPr lang="en-US" altLang="ko-KR" dirty="0"/>
-          </a:p>
-          <a:p>
-            <a:pPr marL="457200" indent="-457200" algn="l">
-              <a:buAutoNum type="arabicPeriod"/>
-            </a:pPr>
+            <a:endParaRPr lang="en-US" altLang="ko-KR" dirty="0">
+              <a:solidFill>
+                <a:srgbClr val="FF0000"/>
+              </a:solidFill>
+            </a:endParaRPr>
+          </a:p>
+          <a:p>
+            <a:pPr lvl="1" algn="l"/>
             <a:r>
               <a:rPr lang="en-US" altLang="ko-KR" dirty="0"/>
               <a:t>matplotlib</a:t>
             </a:r>
           </a:p>
           <a:p>
-            <a:pPr marL="457200" indent="-457200" algn="l">
-              <a:buFont typeface="Arial" panose="020B0604020202020204" pitchFamily="34" charset="0"/>
-              <a:buAutoNum type="arabicPeriod"/>
-            </a:pPr>
+            <a:pPr lvl="1" algn="l"/>
             <a:r>
               <a:rPr lang="en-US" altLang="ko-KR" dirty="0"/>
               <a:t>pandas</a:t>
@@ -4033,33 +4069,15 @@
                                   </p:childTnLst>
                                 </p:cTn>
                               </p:par>
-                            </p:childTnLst>
-                          </p:cTn>
-                        </p:par>
-                      </p:childTnLst>
-                    </p:cTn>
-                  </p:par>
-                  <p:par>
-                    <p:cTn id="15" fill="hold">
-                      <p:stCondLst>
-                        <p:cond delay="indefinite"/>
-                      </p:stCondLst>
-                      <p:childTnLst>
-                        <p:par>
-                          <p:cTn id="16" fill="hold">
-                            <p:stCondLst>
-                              <p:cond delay="0"/>
-                            </p:stCondLst>
-                            <p:childTnLst>
                               <p:par>
-                                <p:cTn id="17" presetID="1" presetClass="entr" presetSubtype="0" fill="hold" grpId="0" nodeType="clickEffect">
+                                <p:cTn id="15" presetID="1" presetClass="entr" presetSubtype="0" fill="hold" grpId="0" nodeType="withEffect">
                                   <p:stCondLst>
                                     <p:cond delay="0"/>
                                   </p:stCondLst>
                                   <p:childTnLst>
                                     <p:set>
                                       <p:cBhvr>
-                                        <p:cTn id="18" dur="1" fill="hold">
+                                        <p:cTn id="16" dur="1" fill="hold">
                                           <p:stCondLst>
                                             <p:cond delay="0"/>
                                           </p:stCondLst>
@@ -4082,33 +4100,15 @@
                                   </p:childTnLst>
                                 </p:cTn>
                               </p:par>
-                            </p:childTnLst>
-                          </p:cTn>
-                        </p:par>
-                      </p:childTnLst>
-                    </p:cTn>
-                  </p:par>
-                  <p:par>
-                    <p:cTn id="19" fill="hold">
-                      <p:stCondLst>
-                        <p:cond delay="indefinite"/>
-                      </p:stCondLst>
-                      <p:childTnLst>
-                        <p:par>
-                          <p:cTn id="20" fill="hold">
-                            <p:stCondLst>
-                              <p:cond delay="0"/>
-                            </p:stCondLst>
-                            <p:childTnLst>
                               <p:par>
-                                <p:cTn id="21" presetID="1" presetClass="entr" presetSubtype="0" fill="hold" grpId="0" nodeType="clickEffect">
+                                <p:cTn id="17" presetID="1" presetClass="entr" presetSubtype="0" fill="hold" grpId="0" nodeType="withEffect">
                                   <p:stCondLst>
                                     <p:cond delay="0"/>
                                   </p:stCondLst>
                                   <p:childTnLst>
                                     <p:set>
                                       <p:cBhvr>
-                                        <p:cTn id="22" dur="1" fill="hold">
+                                        <p:cTn id="18" dur="1" fill="hold">
                                           <p:stCondLst>
                                             <p:cond delay="0"/>
                                           </p:stCondLst>
@@ -4117,6 +4117,37 @@
                                           <p:spTgt spid="3">
                                             <p:txEl>
                                               <p:pRg st="2" end="2"/>
+                                            </p:txEl>
+                                          </p:spTgt>
+                                        </p:tgtEl>
+                                        <p:attrNameLst>
+                                          <p:attrName>style.visibility</p:attrName>
+                                        </p:attrNameLst>
+                                      </p:cBhvr>
+                                      <p:to>
+                                        <p:strVal val="visible"/>
+                                      </p:to>
+                                    </p:set>
+                                  </p:childTnLst>
+                                </p:cTn>
+                              </p:par>
+                              <p:par>
+                                <p:cTn id="19" presetID="1" presetClass="entr" presetSubtype="0" fill="hold" grpId="0" nodeType="withEffect">
+                                  <p:stCondLst>
+                                    <p:cond delay="0"/>
+                                  </p:stCondLst>
+                                  <p:childTnLst>
+                                    <p:set>
+                                      <p:cBhvr>
+                                        <p:cTn id="20" dur="1" fill="hold">
+                                          <p:stCondLst>
+                                            <p:cond delay="0"/>
+                                          </p:stCondLst>
+                                        </p:cTn>
+                                        <p:tgtEl>
+                                          <p:spTgt spid="3">
+                                            <p:txEl>
+                                              <p:pRg st="3" end="3"/>
                                             </p:txEl>
                                           </p:spTgt>
                                         </p:tgtEl>
@@ -4156,7 +4187,7 @@
             </p:seq>
             <p:audio isNarration="1">
               <p:cMediaNode vol="100000" showWhenStopped="0">
-                <p:cTn id="23" fill="hold" display="0">
+                <p:cTn id="21" fill="hold" display="0">
                   <p:stCondLst>
                     <p:cond delay="indefinite"/>
                   </p:stCondLst>
@@ -5892,7 +5923,9 @@
           </a:xfrm>
         </p:spPr>
         <p:txBody>
-          <a:bodyPr/>
+          <a:bodyPr>
+            <a:normAutofit fontScale="85000" lnSpcReduction="20000"/>
+          </a:bodyPr>
           <a:lstStyle/>
           <a:p>
             <a:r>
@@ -5975,6 +6008,93 @@
               <a:rPr lang="ko-KR" altLang="en-US" dirty="0"/>
               <a:t> 정수는 정수 이상입니다</a:t>
             </a:r>
+            <a:endParaRPr lang="en-US" altLang="ko-KR" dirty="0"/>
+          </a:p>
+          <a:p>
+            <a:endParaRPr lang="en-US" altLang="ko-KR" dirty="0"/>
+          </a:p>
+          <a:p>
+            <a:r>
+              <a:rPr lang="ko-KR" altLang="en-US" dirty="0"/>
+              <a:t>설치</a:t>
+            </a:r>
+            <a:r>
+              <a:rPr lang="en-US" altLang="ko-KR" dirty="0"/>
+              <a:t> </a:t>
+            </a:r>
+          </a:p>
+          <a:p>
+            <a:pPr lvl="1"/>
+            <a:r>
+              <a:rPr lang="en-US" altLang="ko-KR" dirty="0"/>
+              <a:t>(base)</a:t>
+            </a:r>
+            <a:r>
+              <a:rPr lang="ko-KR" altLang="en-US" dirty="0"/>
+              <a:t> </a:t>
+            </a:r>
+            <a:r>
+              <a:rPr lang="en-US" altLang="ko-KR" dirty="0"/>
+              <a:t>&gt; </a:t>
+            </a:r>
+            <a:r>
+              <a:rPr lang="en-US" altLang="ko-KR" dirty="0" err="1"/>
+              <a:t>conda</a:t>
+            </a:r>
+            <a:r>
+              <a:rPr lang="ko-KR" altLang="en-US" dirty="0"/>
+              <a:t> </a:t>
+            </a:r>
+            <a:r>
+              <a:rPr lang="en-US" altLang="ko-KR" dirty="0"/>
+              <a:t>install </a:t>
+            </a:r>
+            <a:r>
+              <a:rPr lang="en-US" altLang="ko-KR" dirty="0" err="1"/>
+              <a:t>numpy</a:t>
+            </a:r>
+            <a:endParaRPr lang="en-US" altLang="ko-KR" dirty="0"/>
+          </a:p>
+          <a:p>
+            <a:r>
+              <a:rPr lang="ko-KR" altLang="en-US"/>
+              <a:t>설치 확인은 </a:t>
+            </a:r>
+            <a:r>
+              <a:rPr lang="en-US" altLang="ko-KR" dirty="0"/>
+              <a:t>python3 </a:t>
+            </a:r>
+            <a:r>
+              <a:rPr lang="ko-KR" altLang="en-US" dirty="0"/>
+              <a:t>셀에서</a:t>
+            </a:r>
+            <a:endParaRPr lang="en-US" altLang="ko-KR" dirty="0"/>
+          </a:p>
+          <a:p>
+            <a:pPr lvl="1"/>
+            <a:r>
+              <a:rPr lang="en-US" altLang="ko-KR" dirty="0"/>
+              <a:t>import </a:t>
+            </a:r>
+            <a:r>
+              <a:rPr lang="en-US" altLang="ko-KR" dirty="0" err="1"/>
+              <a:t>numpy</a:t>
+            </a:r>
+            <a:endParaRPr lang="en-US" altLang="ko-KR" dirty="0"/>
+          </a:p>
+          <a:p>
+            <a:pPr lvl="1"/>
+            <a:r>
+              <a:rPr lang="en-US" altLang="ko-KR" dirty="0" err="1"/>
+              <a:t>numpy</a:t>
+            </a:r>
+            <a:r>
+              <a:rPr lang="en-US" altLang="ko-KR" dirty="0"/>
+              <a:t>.__version__</a:t>
+            </a:r>
+          </a:p>
+          <a:p>
+            <a:pPr lvl="1"/>
             <a:endParaRPr lang="en-US" altLang="ko-KR" dirty="0"/>
           </a:p>
           <a:p>
